--- a/Docgen/Documentation.pptx
+++ b/Docgen/Documentation.pptx
@@ -108,6 +108,11 @@
       </a:defRPr>
     </a:lvl9pPr>
   </p:defaultTextStyle>
+  <p:extLst>
+    <p:ext uri="{EFAFB233-063F-42B5-8137-9DF3F51BA10A}">
+      <p15:sldGuideLst xmlns:p15="http://schemas.microsoft.com/office/powerpoint/2012/main"/>
+    </p:ext>
+  </p:extLst>
 </p:presentation>
 </file>
 
@@ -260,7 +265,7 @@
           <a:p>
             <a:fld id="{F184AA3C-3DE4-4289-8D59-570DC236824D}" type="datetimeFigureOut">
               <a:rPr lang="en-NZ" smtClean="0"/>
-              <a:t>3/06/2020</a:t>
+              <a:t>7/03/2021</a:t>
             </a:fld>
             <a:endParaRPr lang="en-NZ" dirty="0"/>
           </a:p>
@@ -460,7 +465,7 @@
           <a:p>
             <a:fld id="{F184AA3C-3DE4-4289-8D59-570DC236824D}" type="datetimeFigureOut">
               <a:rPr lang="en-NZ" smtClean="0"/>
-              <a:t>3/06/2020</a:t>
+              <a:t>7/03/2021</a:t>
             </a:fld>
             <a:endParaRPr lang="en-NZ" dirty="0"/>
           </a:p>
@@ -670,7 +675,7 @@
           <a:p>
             <a:fld id="{F184AA3C-3DE4-4289-8D59-570DC236824D}" type="datetimeFigureOut">
               <a:rPr lang="en-NZ" smtClean="0"/>
-              <a:t>3/06/2020</a:t>
+              <a:t>7/03/2021</a:t>
             </a:fld>
             <a:endParaRPr lang="en-NZ" dirty="0"/>
           </a:p>
@@ -870,7 +875,7 @@
           <a:p>
             <a:fld id="{F184AA3C-3DE4-4289-8D59-570DC236824D}" type="datetimeFigureOut">
               <a:rPr lang="en-NZ" smtClean="0"/>
-              <a:t>3/06/2020</a:t>
+              <a:t>7/03/2021</a:t>
             </a:fld>
             <a:endParaRPr lang="en-NZ" dirty="0"/>
           </a:p>
@@ -1146,7 +1151,7 @@
           <a:p>
             <a:fld id="{F184AA3C-3DE4-4289-8D59-570DC236824D}" type="datetimeFigureOut">
               <a:rPr lang="en-NZ" smtClean="0"/>
-              <a:t>3/06/2020</a:t>
+              <a:t>7/03/2021</a:t>
             </a:fld>
             <a:endParaRPr lang="en-NZ" dirty="0"/>
           </a:p>
@@ -1414,7 +1419,7 @@
           <a:p>
             <a:fld id="{F184AA3C-3DE4-4289-8D59-570DC236824D}" type="datetimeFigureOut">
               <a:rPr lang="en-NZ" smtClean="0"/>
-              <a:t>3/06/2020</a:t>
+              <a:t>7/03/2021</a:t>
             </a:fld>
             <a:endParaRPr lang="en-NZ" dirty="0"/>
           </a:p>
@@ -1829,7 +1834,7 @@
           <a:p>
             <a:fld id="{F184AA3C-3DE4-4289-8D59-570DC236824D}" type="datetimeFigureOut">
               <a:rPr lang="en-NZ" smtClean="0"/>
-              <a:t>3/06/2020</a:t>
+              <a:t>7/03/2021</a:t>
             </a:fld>
             <a:endParaRPr lang="en-NZ" dirty="0"/>
           </a:p>
@@ -1971,7 +1976,7 @@
           <a:p>
             <a:fld id="{F184AA3C-3DE4-4289-8D59-570DC236824D}" type="datetimeFigureOut">
               <a:rPr lang="en-NZ" smtClean="0"/>
-              <a:t>3/06/2020</a:t>
+              <a:t>7/03/2021</a:t>
             </a:fld>
             <a:endParaRPr lang="en-NZ" dirty="0"/>
           </a:p>
@@ -2084,7 +2089,7 @@
           <a:p>
             <a:fld id="{F184AA3C-3DE4-4289-8D59-570DC236824D}" type="datetimeFigureOut">
               <a:rPr lang="en-NZ" smtClean="0"/>
-              <a:t>3/06/2020</a:t>
+              <a:t>7/03/2021</a:t>
             </a:fld>
             <a:endParaRPr lang="en-NZ" dirty="0"/>
           </a:p>
@@ -2397,7 +2402,7 @@
           <a:p>
             <a:fld id="{F184AA3C-3DE4-4289-8D59-570DC236824D}" type="datetimeFigureOut">
               <a:rPr lang="en-NZ" smtClean="0"/>
-              <a:t>3/06/2020</a:t>
+              <a:t>7/03/2021</a:t>
             </a:fld>
             <a:endParaRPr lang="en-NZ" dirty="0"/>
           </a:p>
@@ -2686,7 +2691,7 @@
           <a:p>
             <a:fld id="{F184AA3C-3DE4-4289-8D59-570DC236824D}" type="datetimeFigureOut">
               <a:rPr lang="en-NZ" smtClean="0"/>
-              <a:t>3/06/2020</a:t>
+              <a:t>7/03/2021</a:t>
             </a:fld>
             <a:endParaRPr lang="en-NZ" dirty="0"/>
           </a:p>
@@ -2929,7 +2934,7 @@
           <a:p>
             <a:fld id="{F184AA3C-3DE4-4289-8D59-570DC236824D}" type="datetimeFigureOut">
               <a:rPr lang="en-NZ" smtClean="0"/>
-              <a:t>3/06/2020</a:t>
+              <a:t>7/03/2021</a:t>
             </a:fld>
             <a:endParaRPr lang="en-NZ" dirty="0"/>
           </a:p>
@@ -4032,12 +4037,12 @@
           <a:graphicData uri="http://schemas.openxmlformats.org/presentationml/2006/ole">
             <mc:AlternateContent xmlns:mc="http://schemas.openxmlformats.org/markup-compatibility/2006">
               <mc:Choice xmlns:v="urn:schemas-microsoft-com:vml" Requires="v">
-                <p:oleObj spid="_x0000_s1038" r:id="rId3" imgW="9257040" imgH="5218920" progId="">
+                <p:oleObj r:id="rId2" imgW="9257040" imgH="5218920" progId="">
                   <p:embed/>
                 </p:oleObj>
               </mc:Choice>
               <mc:Fallback>
-                <p:oleObj r:id="rId3" imgW="9257040" imgH="5218920" progId="">
+                <p:oleObj r:id="rId2" imgW="9257040" imgH="5218920" progId="">
                   <p:embed/>
                   <p:pic>
                     <p:nvPicPr>
@@ -4046,7 +4051,7 @@
                       <p:nvPr/>
                     </p:nvPicPr>
                     <p:blipFill>
-                      <a:blip r:embed="rId4"/>
+                      <a:blip r:embed="rId3"/>
                       <a:stretch>
                         <a:fillRect/>
                       </a:stretch>
@@ -4095,12 +4100,12 @@
           <a:graphicData uri="http://schemas.openxmlformats.org/presentationml/2006/ole">
             <mc:AlternateContent xmlns:mc="http://schemas.openxmlformats.org/markup-compatibility/2006">
               <mc:Choice xmlns:v="urn:schemas-microsoft-com:vml" Requires="v">
-                <p:oleObj spid="_x0000_s1039" r:id="rId5" imgW="6495120" imgH="5190120" progId="">
+                <p:oleObj r:id="rId4" imgW="6495120" imgH="5190120" progId="">
                   <p:embed/>
                 </p:oleObj>
               </mc:Choice>
               <mc:Fallback>
-                <p:oleObj r:id="rId5" imgW="6495120" imgH="5190120" progId="">
+                <p:oleObj r:id="rId4" imgW="6495120" imgH="5190120" progId="">
                   <p:embed/>
                   <p:pic>
                     <p:nvPicPr>
@@ -4109,7 +4114,7 @@
                       <p:nvPr/>
                     </p:nvPicPr>
                     <p:blipFill>
-                      <a:blip r:embed="rId6"/>
+                      <a:blip r:embed="rId5"/>
                       <a:stretch>
                         <a:fillRect/>
                       </a:stretch>
@@ -4158,12 +4163,12 @@
           <a:graphicData uri="http://schemas.openxmlformats.org/presentationml/2006/ole">
             <mc:AlternateContent xmlns:mc="http://schemas.openxmlformats.org/markup-compatibility/2006">
               <mc:Choice xmlns:v="urn:schemas-microsoft-com:vml" Requires="v">
-                <p:oleObj spid="_x0000_s1040" r:id="rId7" imgW="6495120" imgH="5180760" progId="">
+                <p:oleObj r:id="rId6" imgW="6495120" imgH="5180760" progId="">
                   <p:embed/>
                 </p:oleObj>
               </mc:Choice>
               <mc:Fallback>
-                <p:oleObj r:id="rId7" imgW="6495120" imgH="5180760" progId="">
+                <p:oleObj r:id="rId6" imgW="6495120" imgH="5180760" progId="">
                   <p:embed/>
                   <p:pic>
                     <p:nvPicPr>
@@ -4172,7 +4177,7 @@
                       <p:nvPr/>
                     </p:nvPicPr>
                     <p:blipFill>
-                      <a:blip r:embed="rId8"/>
+                      <a:blip r:embed="rId7"/>
                       <a:stretch>
                         <a:fillRect/>
                       </a:stretch>
@@ -4731,34 +4736,32 @@
       </p:sp>
       <p:pic>
         <p:nvPicPr>
-          <p:cNvPr id="8" name="Content Placeholder 7">
-            <a:extLst>
-              <a:ext uri="{FF2B5EF4-FFF2-40B4-BE49-F238E27FC236}">
-                <a16:creationId xmlns:a16="http://schemas.microsoft.com/office/drawing/2014/main" id="{C4330481-A9B7-4B01-8BF2-10FD8625AABD}"/>
+          <p:cNvPr id="3" name="Picture 2">
+            <a:extLst>
+              <a:ext uri="{FF2B5EF4-FFF2-40B4-BE49-F238E27FC236}">
+                <a16:creationId xmlns:a16="http://schemas.microsoft.com/office/drawing/2014/main" id="{27D8AC3B-2BF5-43B2-8E7B-EABCAC9D9431}"/>
               </a:ext>
             </a:extLst>
           </p:cNvPr>
           <p:cNvPicPr>
-            <a:picLocks noGrp="1" noChangeAspect="1"/>
+            <a:picLocks noChangeAspect="1"/>
           </p:cNvPicPr>
-          <p:nvPr>
-            <p:ph idx="1"/>
-          </p:nvPr>
+          <p:nvPr/>
         </p:nvPicPr>
-        <p:blipFill rotWithShape="1">
+        <p:blipFill>
           <a:blip r:embed="rId2"/>
-          <a:srcRect r="2" b="1029"/>
-          <a:stretch/>
+          <a:stretch>
+            <a:fillRect/>
+          </a:stretch>
         </p:blipFill>
         <p:spPr>
           <a:xfrm>
-            <a:off x="809243" y="809244"/>
-            <a:ext cx="3017520" cy="5239512"/>
+            <a:off x="830486" y="790114"/>
+            <a:ext cx="2970822" cy="5307868"/>
           </a:xfrm>
           <a:prstGeom prst="rect">
             <a:avLst/>
           </a:prstGeom>
-          <a:effectLst/>
         </p:spPr>
       </p:pic>
       <p:sp>
@@ -4782,8 +4785,8 @@
             <a:avLst>
               <a:gd name="adj1" fmla="val 70363"/>
               <a:gd name="adj2" fmla="val 93164"/>
-              <a:gd name="adj3" fmla="val 223678"/>
-              <a:gd name="adj4" fmla="val 331196"/>
+              <a:gd name="adj3" fmla="val 226904"/>
+              <a:gd name="adj4" fmla="val 358063"/>
             </a:avLst>
           </a:prstGeom>
         </p:spPr>
@@ -4836,8 +4839,8 @@
             <a:avLst>
               <a:gd name="adj1" fmla="val 70363"/>
               <a:gd name="adj2" fmla="val 93164"/>
-              <a:gd name="adj3" fmla="val 88194"/>
-              <a:gd name="adj4" fmla="val 241640"/>
+              <a:gd name="adj3" fmla="val 62387"/>
+              <a:gd name="adj4" fmla="val 226714"/>
             </a:avLst>
           </a:prstGeom>
         </p:spPr>
@@ -4884,7 +4887,7 @@
         <p:spPr>
           <a:xfrm>
             <a:off x="5060272" y="1740023"/>
-            <a:ext cx="6782540" cy="3139321"/>
+            <a:ext cx="6782540" cy="2862322"/>
           </a:xfrm>
           <a:prstGeom prst="rect">
             <a:avLst/>
@@ -4965,28 +4968,11 @@
             </a:r>
             <a:r>
               <a:rPr lang="en-NZ" i="1" dirty="0"/>
-              <a:t>Clear Flags</a:t>
-            </a:r>
-            <a:r>
-              <a:rPr lang="en-NZ" dirty="0"/>
-              <a:t> to </a:t>
-            </a:r>
-            <a:r>
-              <a:rPr lang="en-NZ" i="1" dirty="0"/>
-              <a:t>Solid Color</a:t>
-            </a:r>
-          </a:p>
-          <a:p>
-            <a:pPr marL="342900" indent="-342900">
-              <a:buAutoNum type="arabicPeriod"/>
-            </a:pPr>
-            <a:r>
-              <a:rPr lang="en-NZ" dirty="0"/>
-              <a:t>Set </a:t>
-            </a:r>
-            <a:r>
-              <a:rPr lang="en-NZ" i="1" dirty="0"/>
-              <a:t>Background</a:t>
+              <a:t>Matte </a:t>
+            </a:r>
+            <a:r>
+              <a:rPr lang="en-NZ" i="1" dirty="0" err="1"/>
+              <a:t>Color</a:t>
             </a:r>
             <a:r>
               <a:rPr lang="en-NZ" dirty="0"/>
@@ -5088,7 +5074,7 @@
         </p:nvSpPr>
         <p:spPr>
           <a:xfrm>
-            <a:off x="4116847" y="1676764"/>
+            <a:off x="4109265" y="4504898"/>
             <a:ext cx="297389" cy="275208"/>
           </a:xfrm>
           <a:prstGeom prst="borderCallout1">
@@ -5124,60 +5110,6 @@
             <a:r>
               <a:rPr lang="en-NZ" dirty="0"/>
               <a:t>4</a:t>
-            </a:r>
-          </a:p>
-        </p:txBody>
-      </p:sp>
-      <p:sp>
-        <p:nvSpPr>
-          <p:cNvPr id="59" name="Callout: Line 58">
-            <a:extLst>
-              <a:ext uri="{FF2B5EF4-FFF2-40B4-BE49-F238E27FC236}">
-                <a16:creationId xmlns:a16="http://schemas.microsoft.com/office/drawing/2014/main" id="{4ECF3595-6A27-4AE5-AB4F-E2DE38C85688}"/>
-              </a:ext>
-            </a:extLst>
-          </p:cNvPr>
-          <p:cNvSpPr/>
-          <p:nvPr/>
-        </p:nvSpPr>
-        <p:spPr>
-          <a:xfrm>
-            <a:off x="220863" y="1813253"/>
-            <a:ext cx="297389" cy="275208"/>
-          </a:xfrm>
-          <a:prstGeom prst="borderCallout1">
-            <a:avLst>
-              <a:gd name="adj1" fmla="val 54234"/>
-              <a:gd name="adj2" fmla="val 93164"/>
-              <a:gd name="adj3" fmla="val 146259"/>
-              <a:gd name="adj4" fmla="val 620762"/>
-            </a:avLst>
-          </a:prstGeom>
-        </p:spPr>
-        <p:style>
-          <a:lnRef idx="2">
-            <a:schemeClr val="accent4">
-              <a:shade val="50000"/>
-            </a:schemeClr>
-          </a:lnRef>
-          <a:fillRef idx="1">
-            <a:schemeClr val="accent4"/>
-          </a:fillRef>
-          <a:effectRef idx="0">
-            <a:schemeClr val="accent4"/>
-          </a:effectRef>
-          <a:fontRef idx="minor">
-            <a:schemeClr val="lt1"/>
-          </a:fontRef>
-        </p:style>
-        <p:txBody>
-          <a:bodyPr rtlCol="0" anchor="ctr"/>
-          <a:lstStyle/>
-          <a:p>
-            <a:pPr algn="ctr"/>
-            <a:r>
-              <a:rPr lang="en-NZ" dirty="0"/>
-              <a:t>5</a:t>
             </a:r>
           </a:p>
         </p:txBody>
@@ -5360,6 +5292,115 @@
           </a:p>
         </p:txBody>
       </p:sp>
+      <p:grpSp>
+        <p:nvGrpSpPr>
+          <p:cNvPr id="20" name="Group 19">
+            <a:extLst>
+              <a:ext uri="{FF2B5EF4-FFF2-40B4-BE49-F238E27FC236}">
+                <a16:creationId xmlns:a16="http://schemas.microsoft.com/office/drawing/2014/main" id="{1FF91328-37BA-4E05-8F66-FA035904C8DB}"/>
+              </a:ext>
+            </a:extLst>
+          </p:cNvPr>
+          <p:cNvGrpSpPr/>
+          <p:nvPr/>
+        </p:nvGrpSpPr>
+        <p:grpSpPr>
+          <a:xfrm>
+            <a:off x="3488612" y="2240755"/>
+            <a:ext cx="399807" cy="461665"/>
+            <a:chOff x="5069151" y="4092969"/>
+            <a:chExt cx="497148" cy="574067"/>
+          </a:xfrm>
+        </p:grpSpPr>
+        <p:sp>
+          <p:nvSpPr>
+            <p:cNvPr id="22" name="Isosceles Triangle 21">
+              <a:extLst>
+                <a:ext uri="{FF2B5EF4-FFF2-40B4-BE49-F238E27FC236}">
+                  <a16:creationId xmlns:a16="http://schemas.microsoft.com/office/drawing/2014/main" id="{7606ED85-2EF1-4942-B614-3C609C7764E8}"/>
+                </a:ext>
+              </a:extLst>
+            </p:cNvPr>
+            <p:cNvSpPr/>
+            <p:nvPr/>
+          </p:nvSpPr>
+          <p:spPr>
+            <a:xfrm>
+              <a:off x="5069151" y="4128481"/>
+              <a:ext cx="497148" cy="457200"/>
+            </a:xfrm>
+            <a:prstGeom prst="triangle">
+              <a:avLst/>
+            </a:prstGeom>
+            <a:ln>
+              <a:noFill/>
+            </a:ln>
+          </p:spPr>
+          <p:style>
+            <a:lnRef idx="2">
+              <a:schemeClr val="accent2">
+                <a:shade val="50000"/>
+              </a:schemeClr>
+            </a:lnRef>
+            <a:fillRef idx="1">
+              <a:schemeClr val="accent2"/>
+            </a:fillRef>
+            <a:effectRef idx="0">
+              <a:schemeClr val="accent2"/>
+            </a:effectRef>
+            <a:fontRef idx="minor">
+              <a:schemeClr val="lt1"/>
+            </a:fontRef>
+          </p:style>
+          <p:txBody>
+            <a:bodyPr rtlCol="0" anchor="ctr"/>
+            <a:lstStyle/>
+            <a:p>
+              <a:pPr algn="ctr"/>
+              <a:endParaRPr lang="en-NZ" b="1" dirty="0"/>
+            </a:p>
+          </p:txBody>
+        </p:sp>
+        <p:sp>
+          <p:nvSpPr>
+            <p:cNvPr id="23" name="TextBox 22">
+              <a:extLst>
+                <a:ext uri="{FF2B5EF4-FFF2-40B4-BE49-F238E27FC236}">
+                  <a16:creationId xmlns:a16="http://schemas.microsoft.com/office/drawing/2014/main" id="{6A85B518-4BBC-4E63-8A7A-DE6F246C0E05}"/>
+                </a:ext>
+              </a:extLst>
+            </p:cNvPr>
+            <p:cNvSpPr txBox="1"/>
+            <p:nvPr/>
+          </p:nvSpPr>
+          <p:spPr>
+            <a:xfrm>
+              <a:off x="5136735" y="4092969"/>
+              <a:ext cx="355205" cy="574067"/>
+            </a:xfrm>
+            <a:prstGeom prst="rect">
+              <a:avLst/>
+            </a:prstGeom>
+            <a:noFill/>
+          </p:spPr>
+          <p:txBody>
+            <a:bodyPr wrap="none" rtlCol="0">
+              <a:spAutoFit/>
+            </a:bodyPr>
+            <a:lstStyle/>
+            <a:p>
+              <a:r>
+                <a:rPr lang="en-NZ" sz="2400" b="1" dirty="0">
+                  <a:solidFill>
+                    <a:schemeClr val="bg1"/>
+                  </a:solidFill>
+                </a:rPr>
+                <a:t>!</a:t>
+              </a:r>
+            </a:p>
+          </p:txBody>
+        </p:sp>
+      </p:grpSp>
     </p:spTree>
     <p:extLst>
       <p:ext uri="{BB962C8B-B14F-4D97-AF65-F5344CB8AC3E}">
@@ -5711,6 +5752,36 @@
           </a:p>
         </p:txBody>
       </p:sp>
+      <p:pic>
+        <p:nvPicPr>
+          <p:cNvPr id="6" name="Picture 5">
+            <a:extLst>
+              <a:ext uri="{FF2B5EF4-FFF2-40B4-BE49-F238E27FC236}">
+                <a16:creationId xmlns:a16="http://schemas.microsoft.com/office/drawing/2014/main" id="{1CE268B9-DBB5-4F02-A2C0-DC879C138F6D}"/>
+              </a:ext>
+            </a:extLst>
+          </p:cNvPr>
+          <p:cNvPicPr>
+            <a:picLocks noChangeAspect="1"/>
+          </p:cNvPicPr>
+          <p:nvPr/>
+        </p:nvPicPr>
+        <p:blipFill>
+          <a:blip r:embed="rId2"/>
+          <a:stretch>
+            <a:fillRect/>
+          </a:stretch>
+        </p:blipFill>
+        <p:spPr>
+          <a:xfrm>
+            <a:off x="6201187" y="3183100"/>
+            <a:ext cx="5208694" cy="1928718"/>
+          </a:xfrm>
+          <a:prstGeom prst="rect">
+            <a:avLst/>
+          </a:prstGeom>
+        </p:spPr>
+      </p:pic>
       <p:sp>
         <p:nvSpPr>
           <p:cNvPr id="63" name="Freeform: Shape 59">
@@ -5857,6 +5928,73 @@
                   <a:srgbClr val="FFFFFF"/>
                 </a:solidFill>
               </a:rPr>
+              <a:t>Matte </a:t>
+            </a:r>
+            <a:r>
+              <a:rPr lang="en-NZ" sz="1300" b="1" dirty="0" err="1">
+                <a:solidFill>
+                  <a:srgbClr val="FFFFFF"/>
+                </a:solidFill>
+              </a:rPr>
+              <a:t>Color</a:t>
+            </a:r>
+            <a:r>
+              <a:rPr lang="en-NZ" sz="1300" b="1" dirty="0">
+                <a:solidFill>
+                  <a:srgbClr val="FFFFFF"/>
+                </a:solidFill>
+              </a:rPr>
+              <a:t> </a:t>
+            </a:r>
+            <a:r>
+              <a:rPr lang="en-NZ" sz="1300" i="1" dirty="0">
+                <a:solidFill>
+                  <a:srgbClr val="FFFFFF"/>
+                </a:solidFill>
+              </a:rPr>
+              <a:t>–</a:t>
+            </a:r>
+            <a:r>
+              <a:rPr lang="en-NZ" sz="1300" dirty="0">
+                <a:solidFill>
+                  <a:srgbClr val="FFFFFF"/>
+                </a:solidFill>
+              </a:rPr>
+              <a:t> The </a:t>
+            </a:r>
+            <a:r>
+              <a:rPr lang="en-NZ" sz="1300" dirty="0" err="1">
+                <a:solidFill>
+                  <a:srgbClr val="FFFFFF"/>
+                </a:solidFill>
+              </a:rPr>
+              <a:t>color</a:t>
+            </a:r>
+            <a:r>
+              <a:rPr lang="en-NZ" sz="1300" dirty="0">
+                <a:solidFill>
+                  <a:srgbClr val="FFFFFF"/>
+                </a:solidFill>
+              </a:rPr>
+              <a:t> for the letter/pillar matte bars</a:t>
+            </a:r>
+            <a:endParaRPr lang="en-NZ" sz="1300" b="1" dirty="0">
+              <a:solidFill>
+                <a:srgbClr val="FFFFFF"/>
+              </a:solidFill>
+            </a:endParaRPr>
+          </a:p>
+          <a:p>
+            <a:pPr marL="342900" indent="-342900">
+              <a:buFont typeface="+mj-lt"/>
+              <a:buAutoNum type="arabicPeriod"/>
+            </a:pPr>
+            <a:r>
+              <a:rPr lang="en-NZ" sz="1300" b="1" dirty="0">
+                <a:solidFill>
+                  <a:srgbClr val="FFFFFF"/>
+                </a:solidFill>
+              </a:rPr>
               <a:t>Reference Mode</a:t>
             </a:r>
             <a:r>
@@ -5973,71 +6111,21 @@
           </a:p>
         </p:txBody>
       </p:sp>
-      <p:pic>
-        <p:nvPicPr>
-          <p:cNvPr id="4" name="Picture 3" descr="A screenshot of a cell phone&#10;&#10;Description automatically generated">
-            <a:extLst>
-              <a:ext uri="{FF2B5EF4-FFF2-40B4-BE49-F238E27FC236}">
-                <a16:creationId xmlns:a16="http://schemas.microsoft.com/office/drawing/2014/main" id="{469F2073-A531-49DD-B9A7-C2DB5F17C0D7}"/>
-              </a:ext>
-            </a:extLst>
-          </p:cNvPr>
-          <p:cNvPicPr>
-            <a:picLocks noChangeAspect="1"/>
-          </p:cNvPicPr>
+      <p:sp>
+        <p:nvSpPr>
+          <p:cNvPr id="53" name="Callout: Line 52">
+            <a:extLst>
+              <a:ext uri="{FF2B5EF4-FFF2-40B4-BE49-F238E27FC236}">
+                <a16:creationId xmlns:a16="http://schemas.microsoft.com/office/drawing/2014/main" id="{07804B89-CC63-49A8-8355-E64B01489243}"/>
+              </a:ext>
+            </a:extLst>
+          </p:cNvPr>
+          <p:cNvSpPr/>
           <p:nvPr/>
-        </p:nvPicPr>
-        <p:blipFill rotWithShape="1">
-          <a:blip r:embed="rId2"/>
-          <a:srcRect r="11828"/>
-          <a:stretch/>
-        </p:blipFill>
+        </p:nvSpPr>
         <p:spPr>
           <a:xfrm>
-            <a:off x="6183088" y="3210765"/>
-            <a:ext cx="5170711" cy="1928718"/>
-          </a:xfrm>
-          <a:custGeom>
-            <a:avLst/>
-            <a:gdLst/>
-            <a:ahLst/>
-            <a:cxnLst/>
-            <a:rect l="l" t="t" r="r" b="b"/>
-            <a:pathLst>
-              <a:path w="4636009" h="5032375">
-                <a:moveTo>
-                  <a:pt x="0" y="0"/>
-                </a:moveTo>
-                <a:lnTo>
-                  <a:pt x="4636009" y="0"/>
-                </a:lnTo>
-                <a:lnTo>
-                  <a:pt x="4636009" y="5032375"/>
-                </a:lnTo>
-                <a:lnTo>
-                  <a:pt x="0" y="5032375"/>
-                </a:lnTo>
-                <a:close/>
-              </a:path>
-            </a:pathLst>
-          </a:custGeom>
-        </p:spPr>
-      </p:pic>
-      <p:sp>
-        <p:nvSpPr>
-          <p:cNvPr id="53" name="Callout: Line 52">
-            <a:extLst>
-              <a:ext uri="{FF2B5EF4-FFF2-40B4-BE49-F238E27FC236}">
-                <a16:creationId xmlns:a16="http://schemas.microsoft.com/office/drawing/2014/main" id="{07804B89-CC63-49A8-8355-E64B01489243}"/>
-              </a:ext>
-            </a:extLst>
-          </p:cNvPr>
-          <p:cNvSpPr/>
-          <p:nvPr/>
-        </p:nvSpPr>
-        <p:spPr>
-          <a:xfrm>
-            <a:off x="8615643" y="2433734"/>
+            <a:off x="9574432" y="2299290"/>
             <a:ext cx="297389" cy="275208"/>
           </a:xfrm>
           <a:prstGeom prst="borderCallout1">
@@ -6091,7 +6179,7 @@
         </p:nvSpPr>
         <p:spPr>
           <a:xfrm>
-            <a:off x="10348268" y="4599433"/>
+            <a:off x="11652245" y="3711666"/>
             <a:ext cx="297389" cy="275208"/>
           </a:xfrm>
           <a:prstGeom prst="borderCallout1">
@@ -6099,7 +6187,7 @@
               <a:gd name="adj1" fmla="val 34879"/>
               <a:gd name="adj2" fmla="val 6593"/>
               <a:gd name="adj3" fmla="val 33356"/>
-              <a:gd name="adj4" fmla="val -994235"/>
+              <a:gd name="adj4" fmla="val -253904"/>
             </a:avLst>
           </a:prstGeom>
         </p:spPr>
@@ -6154,6 +6242,60 @@
               <a:gd name="adj2" fmla="val 6593"/>
               <a:gd name="adj3" fmla="val -269869"/>
               <a:gd name="adj4" fmla="val -552425"/>
+            </a:avLst>
+          </a:prstGeom>
+        </p:spPr>
+        <p:style>
+          <a:lnRef idx="2">
+            <a:schemeClr val="accent4">
+              <a:shade val="50000"/>
+            </a:schemeClr>
+          </a:lnRef>
+          <a:fillRef idx="1">
+            <a:schemeClr val="accent4"/>
+          </a:fillRef>
+          <a:effectRef idx="0">
+            <a:schemeClr val="accent4"/>
+          </a:effectRef>
+          <a:fontRef idx="minor">
+            <a:schemeClr val="lt1"/>
+          </a:fontRef>
+        </p:style>
+        <p:txBody>
+          <a:bodyPr rtlCol="0" anchor="ctr"/>
+          <a:lstStyle/>
+          <a:p>
+            <a:pPr algn="ctr"/>
+            <a:r>
+              <a:rPr lang="en-NZ" dirty="0"/>
+              <a:t>4</a:t>
+            </a:r>
+          </a:p>
+        </p:txBody>
+      </p:sp>
+      <p:sp>
+        <p:nvSpPr>
+          <p:cNvPr id="13" name="Callout: Line 12">
+            <a:extLst>
+              <a:ext uri="{FF2B5EF4-FFF2-40B4-BE49-F238E27FC236}">
+                <a16:creationId xmlns:a16="http://schemas.microsoft.com/office/drawing/2014/main" id="{803E24F6-62AF-4917-BB16-43CC5559889E}"/>
+              </a:ext>
+            </a:extLst>
+          </p:cNvPr>
+          <p:cNvSpPr/>
+          <p:nvPr/>
+        </p:nvSpPr>
+        <p:spPr>
+          <a:xfrm>
+            <a:off x="10531766" y="4592929"/>
+            <a:ext cx="297389" cy="275208"/>
+          </a:xfrm>
+          <a:prstGeom prst="borderCallout1">
+            <a:avLst>
+              <a:gd name="adj1" fmla="val 47781"/>
+              <a:gd name="adj2" fmla="val 6593"/>
+              <a:gd name="adj3" fmla="val 55936"/>
+              <a:gd name="adj4" fmla="val -1033043"/>
             </a:avLst>
           </a:prstGeom>
         </p:spPr>
